--- a/Presentation.pptx
+++ b/Presentation.pptx
@@ -108,6 +108,11 @@
       </a:defRPr>
     </a:lvl9pPr>
   </p:defaultTextStyle>
+  <p:extLst>
+    <p:ext uri="{EFAFB233-063F-42B5-8137-9DF3F51BA10A}">
+      <p15:sldGuideLst xmlns:p15="http://schemas.microsoft.com/office/powerpoint/2012/main"/>
+    </p:ext>
+  </p:extLst>
 </p:presentation>
 </file>
 
@@ -357,7 +362,7 @@
             <a:fld id="{B61BEF0D-F0BB-DE4B-95CE-6DB70DBA9567}" type="datetimeFigureOut">
               <a:rPr lang="en-US" dirty="0"/>
               <a:pPr/>
-              <a:t>1/8/2022</a:t>
+              <a:t>1/9/2022</a:t>
             </a:fld>
             <a:endParaRPr lang="en-US" dirty="0"/>
           </a:p>
@@ -616,7 +621,7 @@
             <a:fld id="{B61BEF0D-F0BB-DE4B-95CE-6DB70DBA9567}" type="datetimeFigureOut">
               <a:rPr lang="en-US" dirty="0"/>
               <a:pPr/>
-              <a:t>1/8/2022</a:t>
+              <a:t>1/9/2022</a:t>
             </a:fld>
             <a:endParaRPr lang="en-US" dirty="0"/>
           </a:p>
@@ -848,7 +853,7 @@
             <a:fld id="{B61BEF0D-F0BB-DE4B-95CE-6DB70DBA9567}" type="datetimeFigureOut">
               <a:rPr lang="en-US" dirty="0"/>
               <a:pPr/>
-              <a:t>1/8/2022</a:t>
+              <a:t>1/9/2022</a:t>
             </a:fld>
             <a:endParaRPr lang="en-US" dirty="0"/>
           </a:p>
@@ -1085,7 +1090,7 @@
             <a:fld id="{B61BEF0D-F0BB-DE4B-95CE-6DB70DBA9567}" type="datetimeFigureOut">
               <a:rPr lang="en-US" dirty="0"/>
               <a:pPr/>
-              <a:t>1/8/2022</a:t>
+              <a:t>1/9/2022</a:t>
             </a:fld>
             <a:endParaRPr lang="en-US" dirty="0"/>
           </a:p>
@@ -1389,7 +1394,7 @@
             <a:fld id="{B61BEF0D-F0BB-DE4B-95CE-6DB70DBA9567}" type="datetimeFigureOut">
               <a:rPr lang="en-US" dirty="0"/>
               <a:pPr/>
-              <a:t>1/8/2022</a:t>
+              <a:t>1/9/2022</a:t>
             </a:fld>
             <a:endParaRPr lang="en-US" dirty="0"/>
           </a:p>
@@ -1688,7 +1693,7 @@
             <a:fld id="{B61BEF0D-F0BB-DE4B-95CE-6DB70DBA9567}" type="datetimeFigureOut">
               <a:rPr lang="en-US" dirty="0"/>
               <a:pPr/>
-              <a:t>1/8/2022</a:t>
+              <a:t>1/9/2022</a:t>
             </a:fld>
             <a:endParaRPr lang="en-US" dirty="0"/>
           </a:p>
@@ -2107,7 +2112,7 @@
             <a:fld id="{B61BEF0D-F0BB-DE4B-95CE-6DB70DBA9567}" type="datetimeFigureOut">
               <a:rPr lang="en-US" dirty="0"/>
               <a:pPr/>
-              <a:t>1/8/2022</a:t>
+              <a:t>1/9/2022</a:t>
             </a:fld>
             <a:endParaRPr lang="en-US" dirty="0"/>
           </a:p>
@@ -2266,7 +2271,7 @@
             <a:fld id="{B61BEF0D-F0BB-DE4B-95CE-6DB70DBA9567}" type="datetimeFigureOut">
               <a:rPr lang="en-US" dirty="0"/>
               <a:pPr/>
-              <a:t>1/8/2022</a:t>
+              <a:t>1/9/2022</a:t>
             </a:fld>
             <a:endParaRPr lang="en-US" dirty="0"/>
           </a:p>
@@ -2358,7 +2363,7 @@
             <a:fld id="{B61BEF0D-F0BB-DE4B-95CE-6DB70DBA9567}" type="datetimeFigureOut">
               <a:rPr lang="en-US" dirty="0"/>
               <a:pPr/>
-              <a:t>1/8/2022</a:t>
+              <a:t>1/9/2022</a:t>
             </a:fld>
             <a:endParaRPr lang="en-US" dirty="0"/>
           </a:p>
@@ -2733,7 +2738,7 @@
             <a:fld id="{B61BEF0D-F0BB-DE4B-95CE-6DB70DBA9567}" type="datetimeFigureOut">
               <a:rPr lang="en-US" dirty="0"/>
               <a:pPr/>
-              <a:t>1/8/2022</a:t>
+              <a:t>1/9/2022</a:t>
             </a:fld>
             <a:endParaRPr lang="en-US" dirty="0"/>
           </a:p>
@@ -2927,10 +2932,9 @@
           </a:lstStyle>
           <a:p>
             <a:r>
-              <a:rPr lang="en-US"/>
+              <a:rPr lang="en-US" dirty="0"/>
               <a:t>Click icon to add picture</a:t>
             </a:r>
-            <a:endParaRPr lang="en-US" dirty="0"/>
           </a:p>
         </p:txBody>
       </p:sp>
@@ -3019,7 +3023,7 @@
             <a:fld id="{B61BEF0D-F0BB-DE4B-95CE-6DB70DBA9567}" type="datetimeFigureOut">
               <a:rPr lang="en-US" dirty="0"/>
               <a:pPr/>
-              <a:t>1/8/2022</a:t>
+              <a:t>1/9/2022</a:t>
             </a:fld>
             <a:endParaRPr lang="en-US" dirty="0"/>
           </a:p>
@@ -3227,7 +3231,7 @@
             <a:fld id="{B61BEF0D-F0BB-DE4B-95CE-6DB70DBA9567}" type="datetimeFigureOut">
               <a:rPr lang="en-US" dirty="0"/>
               <a:pPr/>
-              <a:t>1/8/2022</a:t>
+              <a:t>1/9/2022</a:t>
             </a:fld>
             <a:endParaRPr lang="en-US" dirty="0"/>
           </a:p>
@@ -3884,15 +3888,7 @@
           <a:p>
             <a:r>
               <a:rPr lang="en-GB" dirty="0"/>
-              <a:t>Mentor:  Andrei </a:t>
-            </a:r>
-            <a:r>
-              <a:rPr lang="en-GB" dirty="0" err="1"/>
-              <a:t>Napradean</a:t>
-            </a:r>
-            <a:r>
-              <a:rPr lang="en-GB" dirty="0"/>
-              <a:t> </a:t>
+              <a:t>Mentor:  Andrei Napradean </a:t>
             </a:r>
             <a:endParaRPr lang="en-US" dirty="0"/>
           </a:p>
@@ -4134,8 +4130,8 @@
           <a:lstStyle/>
           <a:p>
             <a:r>
-              <a:rPr lang="en-GB" dirty="0" err="1"/>
-              <a:t>PArticularities</a:t>
+              <a:rPr lang="en-GB" dirty="0"/>
+              <a:t>Particularities</a:t>
             </a:r>
             <a:endParaRPr lang="en-US" dirty="0"/>
           </a:p>
@@ -4373,6 +4369,16 @@
           <a:bodyPr/>
           <a:lstStyle/>
           <a:p>
+            <a:r>
+              <a:rPr lang="en-GB" dirty="0"/>
+              <a:t>Our experience: We learned a lot about how robot process automation works and how complicated it can be to make sure that the application will run correctly in every case. Our mentor has been very supportive and gave us some really useful ideas. </a:t>
+            </a:r>
+          </a:p>
+          <a:p>
+            <a:r>
+              <a:rPr lang="en-GB" dirty="0"/>
+              <a:t>Further improvements: We could improve our application so that it will work on more cities, not just with Cluj neighbourhoods. We could also integrate a new feature that will show the user the locations of the top five apartments on a map.</a:t>
+            </a:r>
             <a:endParaRPr lang="en-US" dirty="0"/>
           </a:p>
         </p:txBody>

--- a/Presentation.pptx
+++ b/Presentation.pptx
@@ -7,9 +7,10 @@
   <p:sldIdLst>
     <p:sldId id="256" r:id="rId2"/>
     <p:sldId id="257" r:id="rId3"/>
-    <p:sldId id="258" r:id="rId4"/>
-    <p:sldId id="259" r:id="rId5"/>
-    <p:sldId id="260" r:id="rId6"/>
+    <p:sldId id="261" r:id="rId4"/>
+    <p:sldId id="258" r:id="rId5"/>
+    <p:sldId id="259" r:id="rId6"/>
+    <p:sldId id="260" r:id="rId7"/>
   </p:sldIdLst>
   <p:sldSz cx="12192000" cy="6858000"/>
   <p:notesSz cx="6858000" cy="9144000"/>
@@ -362,7 +363,7 @@
             <a:fld id="{B61BEF0D-F0BB-DE4B-95CE-6DB70DBA9567}" type="datetimeFigureOut">
               <a:rPr lang="en-US" dirty="0"/>
               <a:pPr/>
-              <a:t>1/9/2022</a:t>
+              <a:t>1/10/2022</a:t>
             </a:fld>
             <a:endParaRPr lang="en-US" dirty="0"/>
           </a:p>
@@ -621,7 +622,7 @@
             <a:fld id="{B61BEF0D-F0BB-DE4B-95CE-6DB70DBA9567}" type="datetimeFigureOut">
               <a:rPr lang="en-US" dirty="0"/>
               <a:pPr/>
-              <a:t>1/9/2022</a:t>
+              <a:t>1/10/2022</a:t>
             </a:fld>
             <a:endParaRPr lang="en-US" dirty="0"/>
           </a:p>
@@ -853,7 +854,7 @@
             <a:fld id="{B61BEF0D-F0BB-DE4B-95CE-6DB70DBA9567}" type="datetimeFigureOut">
               <a:rPr lang="en-US" dirty="0"/>
               <a:pPr/>
-              <a:t>1/9/2022</a:t>
+              <a:t>1/10/2022</a:t>
             </a:fld>
             <a:endParaRPr lang="en-US" dirty="0"/>
           </a:p>
@@ -1090,7 +1091,7 @@
             <a:fld id="{B61BEF0D-F0BB-DE4B-95CE-6DB70DBA9567}" type="datetimeFigureOut">
               <a:rPr lang="en-US" dirty="0"/>
               <a:pPr/>
-              <a:t>1/9/2022</a:t>
+              <a:t>1/10/2022</a:t>
             </a:fld>
             <a:endParaRPr lang="en-US" dirty="0"/>
           </a:p>
@@ -1394,7 +1395,7 @@
             <a:fld id="{B61BEF0D-F0BB-DE4B-95CE-6DB70DBA9567}" type="datetimeFigureOut">
               <a:rPr lang="en-US" dirty="0"/>
               <a:pPr/>
-              <a:t>1/9/2022</a:t>
+              <a:t>1/10/2022</a:t>
             </a:fld>
             <a:endParaRPr lang="en-US" dirty="0"/>
           </a:p>
@@ -1693,7 +1694,7 @@
             <a:fld id="{B61BEF0D-F0BB-DE4B-95CE-6DB70DBA9567}" type="datetimeFigureOut">
               <a:rPr lang="en-US" dirty="0"/>
               <a:pPr/>
-              <a:t>1/9/2022</a:t>
+              <a:t>1/10/2022</a:t>
             </a:fld>
             <a:endParaRPr lang="en-US" dirty="0"/>
           </a:p>
@@ -2112,7 +2113,7 @@
             <a:fld id="{B61BEF0D-F0BB-DE4B-95CE-6DB70DBA9567}" type="datetimeFigureOut">
               <a:rPr lang="en-US" dirty="0"/>
               <a:pPr/>
-              <a:t>1/9/2022</a:t>
+              <a:t>1/10/2022</a:t>
             </a:fld>
             <a:endParaRPr lang="en-US" dirty="0"/>
           </a:p>
@@ -2271,7 +2272,7 @@
             <a:fld id="{B61BEF0D-F0BB-DE4B-95CE-6DB70DBA9567}" type="datetimeFigureOut">
               <a:rPr lang="en-US" dirty="0"/>
               <a:pPr/>
-              <a:t>1/9/2022</a:t>
+              <a:t>1/10/2022</a:t>
             </a:fld>
             <a:endParaRPr lang="en-US" dirty="0"/>
           </a:p>
@@ -2363,7 +2364,7 @@
             <a:fld id="{B61BEF0D-F0BB-DE4B-95CE-6DB70DBA9567}" type="datetimeFigureOut">
               <a:rPr lang="en-US" dirty="0"/>
               <a:pPr/>
-              <a:t>1/9/2022</a:t>
+              <a:t>1/10/2022</a:t>
             </a:fld>
             <a:endParaRPr lang="en-US" dirty="0"/>
           </a:p>
@@ -2738,7 +2739,7 @@
             <a:fld id="{B61BEF0D-F0BB-DE4B-95CE-6DB70DBA9567}" type="datetimeFigureOut">
               <a:rPr lang="en-US" dirty="0"/>
               <a:pPr/>
-              <a:t>1/9/2022</a:t>
+              <a:t>1/10/2022</a:t>
             </a:fld>
             <a:endParaRPr lang="en-US" dirty="0"/>
           </a:p>
@@ -3023,7 +3024,7 @@
             <a:fld id="{B61BEF0D-F0BB-DE4B-95CE-6DB70DBA9567}" type="datetimeFigureOut">
               <a:rPr lang="en-US" dirty="0"/>
               <a:pPr/>
-              <a:t>1/9/2022</a:t>
+              <a:t>1/10/2022</a:t>
             </a:fld>
             <a:endParaRPr lang="en-US" dirty="0"/>
           </a:p>
@@ -3231,7 +3232,7 @@
             <a:fld id="{B61BEF0D-F0BB-DE4B-95CE-6DB70DBA9567}" type="datetimeFigureOut">
               <a:rPr lang="en-US" dirty="0"/>
               <a:pPr/>
-              <a:t>1/9/2022</a:t>
+              <a:t>1/10/2022</a:t>
             </a:fld>
             <a:endParaRPr lang="en-US" dirty="0"/>
           </a:p>
@@ -4113,7 +4114,7 @@
           <p:cNvPr id="2" name="Title 1">
             <a:extLst>
               <a:ext uri="{FF2B5EF4-FFF2-40B4-BE49-F238E27FC236}">
-                <a16:creationId xmlns:a16="http://schemas.microsoft.com/office/drawing/2014/main" id="{6FB3F435-A815-4457-B0E4-290F420D5C5D}"/>
+                <a16:creationId xmlns:a16="http://schemas.microsoft.com/office/drawing/2014/main" id="{9548DF94-A068-4997-8F88-F8F5DE503209}"/>
               </a:ext>
             </a:extLst>
           </p:cNvPr>
@@ -4131,69 +4132,48 @@
           <a:p>
             <a:r>
               <a:rPr lang="en-GB" dirty="0"/>
-              <a:t>Particularities</a:t>
-            </a:r>
-            <a:endParaRPr lang="en-US" dirty="0"/>
-          </a:p>
-        </p:txBody>
-      </p:sp>
-      <p:sp>
-        <p:nvSpPr>
-          <p:cNvPr id="3" name="Content Placeholder 2">
+              <a:t>Process Diagram</a:t>
+            </a:r>
+            <a:endParaRPr lang="en-US" dirty="0"/>
+          </a:p>
+        </p:txBody>
+      </p:sp>
+      <p:pic>
+        <p:nvPicPr>
+          <p:cNvPr id="4" name="Content Placeholder 3">
             <a:extLst>
               <a:ext uri="{FF2B5EF4-FFF2-40B4-BE49-F238E27FC236}">
-                <a16:creationId xmlns:a16="http://schemas.microsoft.com/office/drawing/2014/main" id="{FF532964-29E0-4619-BAC1-AA1CA4853BC9}"/>
+                <a16:creationId xmlns:a16="http://schemas.microsoft.com/office/drawing/2014/main" id="{4BA38D24-E898-4179-BD0C-6468FC9257B8}"/>
               </a:ext>
             </a:extLst>
           </p:cNvPr>
-          <p:cNvSpPr>
-            <a:spLocks noGrp="1"/>
-          </p:cNvSpPr>
+          <p:cNvPicPr>
+            <a:picLocks noGrp="1" noChangeAspect="1"/>
+          </p:cNvPicPr>
           <p:nvPr>
             <p:ph idx="1"/>
           </p:nvPr>
-        </p:nvSpPr>
-        <p:spPr/>
-        <p:txBody>
-          <a:bodyPr/>
-          <a:lstStyle/>
-          <a:p>
-            <a:r>
-              <a:rPr lang="en-GB" dirty="0"/>
-              <a:t>We use a configuration file to store values that are the same for all processes</a:t>
-            </a:r>
-          </a:p>
-          <a:p>
-            <a:r>
-              <a:rPr lang="en-GB" dirty="0"/>
-              <a:t>We store the results into an Excel file</a:t>
-            </a:r>
-          </a:p>
-          <a:p>
-            <a:r>
-              <a:rPr lang="en-GB" dirty="0"/>
-              <a:t>We are sending an Outlook email with the results</a:t>
-            </a:r>
-          </a:p>
-          <a:p>
-            <a:r>
-              <a:rPr lang="en-GB" dirty="0"/>
-              <a:t>The inputs are taken through a form</a:t>
-            </a:r>
-          </a:p>
-          <a:p>
-            <a:r>
-              <a:rPr lang="en-GB" dirty="0"/>
-              <a:t>The form is used also for inputs validation</a:t>
-            </a:r>
-            <a:endParaRPr lang="en-US" dirty="0"/>
-          </a:p>
-        </p:txBody>
-      </p:sp>
+        </p:nvPicPr>
+        <p:blipFill>
+          <a:blip r:embed="rId2"/>
+          <a:stretch>
+            <a:fillRect/>
+          </a:stretch>
+        </p:blipFill>
+        <p:spPr>
+          <a:xfrm>
+            <a:off x="2820941" y="2181225"/>
+            <a:ext cx="6550117" cy="3678238"/>
+          </a:xfrm>
+          <a:prstGeom prst="rect">
+            <a:avLst/>
+          </a:prstGeom>
+        </p:spPr>
+      </p:pic>
     </p:spTree>
     <p:extLst>
       <p:ext uri="{BB962C8B-B14F-4D97-AF65-F5344CB8AC3E}">
-        <p14:creationId xmlns:p14="http://schemas.microsoft.com/office/powerpoint/2010/main" val="2654817432"/>
+        <p14:creationId xmlns:p14="http://schemas.microsoft.com/office/powerpoint/2010/main" val="2775264087"/>
       </p:ext>
     </p:extLst>
   </p:cSld>
@@ -4225,6 +4205,118 @@
           <p:cNvPr id="2" name="Title 1">
             <a:extLst>
               <a:ext uri="{FF2B5EF4-FFF2-40B4-BE49-F238E27FC236}">
+                <a16:creationId xmlns:a16="http://schemas.microsoft.com/office/drawing/2014/main" id="{6FB3F435-A815-4457-B0E4-290F420D5C5D}"/>
+              </a:ext>
+            </a:extLst>
+          </p:cNvPr>
+          <p:cNvSpPr>
+            <a:spLocks noGrp="1"/>
+          </p:cNvSpPr>
+          <p:nvPr>
+            <p:ph type="title"/>
+          </p:nvPr>
+        </p:nvSpPr>
+        <p:spPr/>
+        <p:txBody>
+          <a:bodyPr/>
+          <a:lstStyle/>
+          <a:p>
+            <a:r>
+              <a:rPr lang="en-GB" dirty="0"/>
+              <a:t>Particularities</a:t>
+            </a:r>
+            <a:endParaRPr lang="en-US" dirty="0"/>
+          </a:p>
+        </p:txBody>
+      </p:sp>
+      <p:sp>
+        <p:nvSpPr>
+          <p:cNvPr id="3" name="Content Placeholder 2">
+            <a:extLst>
+              <a:ext uri="{FF2B5EF4-FFF2-40B4-BE49-F238E27FC236}">
+                <a16:creationId xmlns:a16="http://schemas.microsoft.com/office/drawing/2014/main" id="{FF532964-29E0-4619-BAC1-AA1CA4853BC9}"/>
+              </a:ext>
+            </a:extLst>
+          </p:cNvPr>
+          <p:cNvSpPr>
+            <a:spLocks noGrp="1"/>
+          </p:cNvSpPr>
+          <p:nvPr>
+            <p:ph idx="1"/>
+          </p:nvPr>
+        </p:nvSpPr>
+        <p:spPr/>
+        <p:txBody>
+          <a:bodyPr/>
+          <a:lstStyle/>
+          <a:p>
+            <a:r>
+              <a:rPr lang="en-GB" dirty="0"/>
+              <a:t>We use a configuration file to store values that are the same for all processes</a:t>
+            </a:r>
+          </a:p>
+          <a:p>
+            <a:r>
+              <a:rPr lang="en-GB" dirty="0"/>
+              <a:t>We store the results into an Excel file</a:t>
+            </a:r>
+          </a:p>
+          <a:p>
+            <a:r>
+              <a:rPr lang="en-GB" dirty="0"/>
+              <a:t>We are sending an Outlook email with the results</a:t>
+            </a:r>
+          </a:p>
+          <a:p>
+            <a:r>
+              <a:rPr lang="en-GB" dirty="0"/>
+              <a:t>The inputs are taken through a form</a:t>
+            </a:r>
+          </a:p>
+          <a:p>
+            <a:r>
+              <a:rPr lang="en-GB" dirty="0"/>
+              <a:t>The form is used also for inputs validation</a:t>
+            </a:r>
+            <a:endParaRPr lang="en-US" dirty="0"/>
+          </a:p>
+        </p:txBody>
+      </p:sp>
+    </p:spTree>
+    <p:extLst>
+      <p:ext uri="{BB962C8B-B14F-4D97-AF65-F5344CB8AC3E}">
+        <p14:creationId xmlns:p14="http://schemas.microsoft.com/office/powerpoint/2010/main" val="2654817432"/>
+      </p:ext>
+    </p:extLst>
+  </p:cSld>
+  <p:clrMapOvr>
+    <a:masterClrMapping/>
+  </p:clrMapOvr>
+</p:sld>
+</file>
+
+<file path=ppt/slides/slide5.xml><?xml version="1.0" encoding="utf-8"?>
+<p:sld xmlns:a="http://schemas.openxmlformats.org/drawingml/2006/main" xmlns:r="http://schemas.openxmlformats.org/officeDocument/2006/relationships" xmlns:p="http://schemas.openxmlformats.org/presentationml/2006/main">
+  <p:cSld>
+    <p:spTree>
+      <p:nvGrpSpPr>
+        <p:cNvPr id="1" name=""/>
+        <p:cNvGrpSpPr/>
+        <p:nvPr/>
+      </p:nvGrpSpPr>
+      <p:grpSpPr>
+        <a:xfrm>
+          <a:off x="0" y="0"/>
+          <a:ext cx="0" cy="0"/>
+          <a:chOff x="0" y="0"/>
+          <a:chExt cx="0" cy="0"/>
+        </a:xfrm>
+      </p:grpSpPr>
+      <p:sp>
+        <p:nvSpPr>
+          <p:cNvPr id="2" name="Title 1">
+            <a:extLst>
+              <a:ext uri="{FF2B5EF4-FFF2-40B4-BE49-F238E27FC236}">
                 <a16:creationId xmlns:a16="http://schemas.microsoft.com/office/drawing/2014/main" id="{454465C5-2129-4F9F-AF29-23364B9CE985}"/>
               </a:ext>
             </a:extLst>
@@ -4302,7 +4394,7 @@
 </p:sld>
 </file>
 
-<file path=ppt/slides/slide5.xml><?xml version="1.0" encoding="utf-8"?>
+<file path=ppt/slides/slide6.xml><?xml version="1.0" encoding="utf-8"?>
 <p:sld xmlns:a="http://schemas.openxmlformats.org/drawingml/2006/main" xmlns:r="http://schemas.openxmlformats.org/officeDocument/2006/relationships" xmlns:p="http://schemas.openxmlformats.org/presentationml/2006/main">
   <p:cSld>
     <p:spTree>
